--- a/assets/images/Logo Editings.pptx
+++ b/assets/images/Logo Editings.pptx
@@ -3340,7 +3340,7 @@
         </p:nvSpPr>
         <p:spPr>
           <a:xfrm>
-            <a:off x="4098619" y="4693230"/>
+            <a:off x="4098618" y="4693230"/>
             <a:ext cx="1637812" cy="400110"/>
           </a:xfrm>
           <a:prstGeom prst="rect">
@@ -3488,76 +3488,116 @@
           </a:prstGeom>
         </p:spPr>
       </p:pic>
-      <p:pic>
-        <p:nvPicPr>
-          <p:cNvPr id="3" name="Picture 2" descr="A picture containing object&#10;&#10;Description automatically generated">
-            <a:extLst>
-              <a:ext uri="{FF2B5EF4-FFF2-40B4-BE49-F238E27FC236}">
-                <a16:creationId xmlns:a16="http://schemas.microsoft.com/office/drawing/2014/main" id="{05920D35-68A7-4ED7-8ABD-5A86D77C4360}"/>
-              </a:ext>
-            </a:extLst>
-          </p:cNvPr>
-          <p:cNvPicPr>
-            <a:picLocks noChangeAspect="1"/>
-          </p:cNvPicPr>
+      <p:grpSp>
+        <p:nvGrpSpPr>
+          <p:cNvPr id="6" name="Group 5">
+            <a:extLst>
+              <a:ext uri="{FF2B5EF4-FFF2-40B4-BE49-F238E27FC236}">
+                <a16:creationId xmlns:a16="http://schemas.microsoft.com/office/drawing/2014/main" id="{E9AF148D-993C-4B07-BB3F-B213144EDADA}"/>
+              </a:ext>
+            </a:extLst>
+          </p:cNvPr>
+          <p:cNvGrpSpPr/>
           <p:nvPr/>
-        </p:nvPicPr>
-        <p:blipFill rotWithShape="1">
-          <a:blip r:embed="rId5">
-            <a:extLst>
-              <a:ext uri="{28A0092B-C50C-407E-A947-70E740481C1C}">
-                <a14:useLocalDpi xmlns:a14="http://schemas.microsoft.com/office/drawing/2010/main" val="0"/>
-              </a:ext>
-            </a:extLst>
-          </a:blip>
-          <a:srcRect l="9991" t="23413" r="12521" b="27076"/>
-          <a:stretch/>
-        </p:blipFill>
-        <p:spPr>
+        </p:nvGrpSpPr>
+        <p:grpSpPr>
           <a:xfrm>
-            <a:off x="853862" y="872227"/>
-            <a:ext cx="6599583" cy="1521332"/>
+            <a:off x="2051159" y="689113"/>
+            <a:ext cx="1220680" cy="583096"/>
+            <a:chOff x="2051158" y="689113"/>
+            <a:chExt cx="1725712" cy="583096"/>
           </a:xfrm>
-          <a:prstGeom prst="rect">
-            <a:avLst/>
-          </a:prstGeom>
-        </p:spPr>
-      </p:pic>
-      <p:pic>
-        <p:nvPicPr>
-          <p:cNvPr id="9" name="Picture 8">
-            <a:extLst>
-              <a:ext uri="{FF2B5EF4-FFF2-40B4-BE49-F238E27FC236}">
-                <a16:creationId xmlns:a16="http://schemas.microsoft.com/office/drawing/2014/main" id="{65701FE9-3130-4646-913C-CE421974A217}"/>
-              </a:ext>
-            </a:extLst>
-          </p:cNvPr>
-          <p:cNvPicPr>
-            <a:picLocks noChangeAspect="1"/>
-          </p:cNvPicPr>
-          <p:nvPr/>
-        </p:nvPicPr>
-        <p:blipFill rotWithShape="1">
-          <a:blip r:embed="rId6">
-            <a:extLst>
-              <a:ext uri="{28A0092B-C50C-407E-A947-70E740481C1C}">
-                <a14:useLocalDpi xmlns:a14="http://schemas.microsoft.com/office/drawing/2010/main" val="0"/>
-              </a:ext>
-            </a:extLst>
-          </a:blip>
-          <a:srcRect l="13315" t="7870" r="15392" b="10062"/>
-          <a:stretch/>
-        </p:blipFill>
-        <p:spPr>
-          <a:xfrm>
-            <a:off x="4314825" y="3667125"/>
-            <a:ext cx="1169194" cy="445294"/>
-          </a:xfrm>
-          <a:prstGeom prst="rect">
-            <a:avLst/>
-          </a:prstGeom>
-        </p:spPr>
-      </p:pic>
+        </p:grpSpPr>
+        <p:sp>
+          <p:nvSpPr>
+            <p:cNvPr id="2" name="Rectangle 1">
+              <a:extLst>
+                <a:ext uri="{FF2B5EF4-FFF2-40B4-BE49-F238E27FC236}">
+                  <a16:creationId xmlns:a16="http://schemas.microsoft.com/office/drawing/2014/main" id="{49D53040-337E-4836-93B4-67F8459F998E}"/>
+                </a:ext>
+              </a:extLst>
+            </p:cNvPr>
+            <p:cNvSpPr/>
+            <p:nvPr/>
+          </p:nvSpPr>
+          <p:spPr>
+            <a:xfrm>
+              <a:off x="2051158" y="689113"/>
+              <a:ext cx="1553433" cy="583096"/>
+            </a:xfrm>
+            <a:prstGeom prst="rect">
+              <a:avLst/>
+            </a:prstGeom>
+            <a:noFill/>
+            <a:ln>
+              <a:noFill/>
+            </a:ln>
+          </p:spPr>
+          <p:style>
+            <a:lnRef idx="2">
+              <a:schemeClr val="accent6"/>
+            </a:lnRef>
+            <a:fillRef idx="1">
+              <a:schemeClr val="lt1"/>
+            </a:fillRef>
+            <a:effectRef idx="0">
+              <a:schemeClr val="accent6"/>
+            </a:effectRef>
+            <a:fontRef idx="minor">
+              <a:schemeClr val="dk1"/>
+            </a:fontRef>
+          </p:style>
+          <p:txBody>
+            <a:bodyPr rtlCol="0" anchor="ctr"/>
+            <a:lstStyle/>
+            <a:p>
+              <a:pPr algn="ctr"/>
+              <a:endParaRPr lang="en-US"/>
+            </a:p>
+          </p:txBody>
+        </p:sp>
+        <p:sp>
+          <p:nvSpPr>
+            <p:cNvPr id="10" name="TextBox 9">
+              <a:extLst>
+                <a:ext uri="{FF2B5EF4-FFF2-40B4-BE49-F238E27FC236}">
+                  <a16:creationId xmlns:a16="http://schemas.microsoft.com/office/drawing/2014/main" id="{00317D8A-C13C-4F05-AECC-80B74894FD24}"/>
+                </a:ext>
+              </a:extLst>
+            </p:cNvPr>
+            <p:cNvSpPr txBox="1"/>
+            <p:nvPr/>
+          </p:nvSpPr>
+          <p:spPr>
+            <a:xfrm>
+              <a:off x="2051158" y="811384"/>
+              <a:ext cx="1725712" cy="338554"/>
+            </a:xfrm>
+            <a:prstGeom prst="rect">
+              <a:avLst/>
+            </a:prstGeom>
+            <a:noFill/>
+          </p:spPr>
+          <p:txBody>
+            <a:bodyPr wrap="square" rtlCol="0">
+              <a:spAutoFit/>
+            </a:bodyPr>
+            <a:lstStyle/>
+            <a:p>
+              <a:r>
+                <a:rPr lang="en-US" sz="1600" dirty="0">
+                  <a:solidFill>
+                    <a:srgbClr val="754EF9"/>
+                  </a:solidFill>
+                  <a:latin typeface="Arial Rounded MT Bold" panose="020F0704030504030204" pitchFamily="34" charset="0"/>
+                  <a:cs typeface="Aharoni" panose="02010803020104030203" pitchFamily="2" charset="-79"/>
+                </a:rPr>
+                <a:t>muqadir1</a:t>
+              </a:r>
+            </a:p>
+          </p:txBody>
+        </p:sp>
+      </p:grpSp>
     </p:spTree>
     <p:extLst>
       <p:ext uri="{BB962C8B-B14F-4D97-AF65-F5344CB8AC3E}">
